--- a/docs/planning/PinDiagramFlowChart.pptx
+++ b/docs/planning/PinDiagramFlowChart.pptx
@@ -3355,7 +3355,7 @@
         <p:spPr>
           <a:xfrm>
             <a:off x="2361033" y="284876"/>
-            <a:ext cx="7593425" cy="707886"/>
+            <a:ext cx="7588359" cy="707886"/>
           </a:xfrm>
           <a:prstGeom prst="rect">
             <a:avLst/>
@@ -3370,7 +3370,7 @@
           <a:p>
             <a:r>
               <a:rPr lang="en-US" sz="4000" dirty="0"/>
-              <a:t>Project 3 Pin Diagram – LCD Slave</a:t>
+              <a:t>Project 3 Pin Diagram – Controller</a:t>
             </a:r>
           </a:p>
         </p:txBody>
@@ -4972,6 +4972,119 @@
             <a:r>
               <a:rPr lang="en-US" b="1" dirty="0"/>
               <a:t>SCL</a:t>
+            </a:r>
+          </a:p>
+        </p:txBody>
+      </p:sp>
+      <p:sp>
+        <p:nvSpPr>
+          <p:cNvPr id="7" name="TextBox 6">
+            <a:extLst>
+              <a:ext uri="{FF2B5EF4-FFF2-40B4-BE49-F238E27FC236}">
+                <a16:creationId xmlns:a16="http://schemas.microsoft.com/office/drawing/2014/main" id="{D6621307-808C-90C1-D7C7-DD7518A40C70}"/>
+              </a:ext>
+            </a:extLst>
+          </p:cNvPr>
+          <p:cNvSpPr txBox="1"/>
+          <p:nvPr/>
+        </p:nvSpPr>
+        <p:spPr>
+          <a:xfrm>
+            <a:off x="3584550" y="4585777"/>
+            <a:ext cx="630301" cy="369332"/>
+          </a:xfrm>
+          <a:prstGeom prst="rect">
+            <a:avLst/>
+          </a:prstGeom>
+          <a:noFill/>
+        </p:spPr>
+        <p:txBody>
+          <a:bodyPr wrap="none" rtlCol="0">
+            <a:spAutoFit/>
+          </a:bodyPr>
+          <a:lstStyle/>
+          <a:p>
+            <a:r>
+              <a:rPr lang="en-US" b="1" dirty="0"/>
+              <a:t>P5.2</a:t>
+            </a:r>
+          </a:p>
+        </p:txBody>
+      </p:sp>
+      <p:cxnSp>
+        <p:nvCxnSpPr>
+          <p:cNvPr id="15" name="Straight Connector 14">
+            <a:extLst>
+              <a:ext uri="{FF2B5EF4-FFF2-40B4-BE49-F238E27FC236}">
+                <a16:creationId xmlns:a16="http://schemas.microsoft.com/office/drawing/2014/main" id="{FDB26CA4-5BFC-8352-08B3-8F1C15791C4A}"/>
+              </a:ext>
+            </a:extLst>
+          </p:cNvPr>
+          <p:cNvCxnSpPr>
+            <a:cxnSpLocks/>
+          </p:cNvCxnSpPr>
+          <p:nvPr/>
+        </p:nvCxnSpPr>
+        <p:spPr>
+          <a:xfrm>
+            <a:off x="3184479" y="4770443"/>
+            <a:ext cx="409350" cy="0"/>
+          </a:xfrm>
+          <a:prstGeom prst="line">
+            <a:avLst/>
+          </a:prstGeom>
+          <a:ln w="57150">
+            <a:solidFill>
+              <a:schemeClr val="tx1"/>
+            </a:solidFill>
+          </a:ln>
+        </p:spPr>
+        <p:style>
+          <a:lnRef idx="2">
+            <a:schemeClr val="accent1"/>
+          </a:lnRef>
+          <a:fillRef idx="0">
+            <a:schemeClr val="accent1"/>
+          </a:fillRef>
+          <a:effectRef idx="1">
+            <a:schemeClr val="accent1"/>
+          </a:effectRef>
+          <a:fontRef idx="minor">
+            <a:schemeClr val="tx1"/>
+          </a:fontRef>
+        </p:style>
+      </p:cxnSp>
+      <p:sp>
+        <p:nvSpPr>
+          <p:cNvPr id="16" name="TextBox 15">
+            <a:extLst>
+              <a:ext uri="{FF2B5EF4-FFF2-40B4-BE49-F238E27FC236}">
+                <a16:creationId xmlns:a16="http://schemas.microsoft.com/office/drawing/2014/main" id="{0BBE771A-273E-DB30-EB18-7F60FFEDB6C5}"/>
+              </a:ext>
+            </a:extLst>
+          </p:cNvPr>
+          <p:cNvSpPr txBox="1"/>
+          <p:nvPr/>
+        </p:nvSpPr>
+        <p:spPr>
+          <a:xfrm>
+            <a:off x="2598792" y="4585777"/>
+            <a:ext cx="567784" cy="369332"/>
+          </a:xfrm>
+          <a:prstGeom prst="rect">
+            <a:avLst/>
+          </a:prstGeom>
+          <a:noFill/>
+        </p:spPr>
+        <p:txBody>
+          <a:bodyPr wrap="none" rtlCol="0">
+            <a:spAutoFit/>
+          </a:bodyPr>
+          <a:lstStyle/>
+          <a:p>
+            <a:r>
+              <a:rPr lang="en-US" b="1" dirty="0"/>
+              <a:t>A10</a:t>
             </a:r>
           </a:p>
         </p:txBody>

--- a/docs/planning/PinDiagramFlowChart.pptx
+++ b/docs/planning/PinDiagramFlowChart.pptx
@@ -267,7 +267,7 @@
           <a:p>
             <a:fld id="{43859641-87B3-4D4C-932C-222F1A0ADC66}" type="datetimeFigureOut">
               <a:rPr lang="en-US" smtClean="0"/>
-              <a:t>4/1/2025</a:t>
+              <a:t>4/2/2025</a:t>
             </a:fld>
             <a:endParaRPr lang="en-US"/>
           </a:p>
@@ -465,7 +465,7 @@
           <a:p>
             <a:fld id="{43859641-87B3-4D4C-932C-222F1A0ADC66}" type="datetimeFigureOut">
               <a:rPr lang="en-US" smtClean="0"/>
-              <a:t>4/1/2025</a:t>
+              <a:t>4/2/2025</a:t>
             </a:fld>
             <a:endParaRPr lang="en-US"/>
           </a:p>
@@ -673,7 +673,7 @@
           <a:p>
             <a:fld id="{43859641-87B3-4D4C-932C-222F1A0ADC66}" type="datetimeFigureOut">
               <a:rPr lang="en-US" smtClean="0"/>
-              <a:t>4/1/2025</a:t>
+              <a:t>4/2/2025</a:t>
             </a:fld>
             <a:endParaRPr lang="en-US"/>
           </a:p>
@@ -871,7 +871,7 @@
           <a:p>
             <a:fld id="{43859641-87B3-4D4C-932C-222F1A0ADC66}" type="datetimeFigureOut">
               <a:rPr lang="en-US" smtClean="0"/>
-              <a:t>4/1/2025</a:t>
+              <a:t>4/2/2025</a:t>
             </a:fld>
             <a:endParaRPr lang="en-US"/>
           </a:p>
@@ -1146,7 +1146,7 @@
           <a:p>
             <a:fld id="{43859641-87B3-4D4C-932C-222F1A0ADC66}" type="datetimeFigureOut">
               <a:rPr lang="en-US" smtClean="0"/>
-              <a:t>4/1/2025</a:t>
+              <a:t>4/2/2025</a:t>
             </a:fld>
             <a:endParaRPr lang="en-US"/>
           </a:p>
@@ -1411,7 +1411,7 @@
           <a:p>
             <a:fld id="{43859641-87B3-4D4C-932C-222F1A0ADC66}" type="datetimeFigureOut">
               <a:rPr lang="en-US" smtClean="0"/>
-              <a:t>4/1/2025</a:t>
+              <a:t>4/2/2025</a:t>
             </a:fld>
             <a:endParaRPr lang="en-US"/>
           </a:p>
@@ -1823,7 +1823,7 @@
           <a:p>
             <a:fld id="{43859641-87B3-4D4C-932C-222F1A0ADC66}" type="datetimeFigureOut">
               <a:rPr lang="en-US" smtClean="0"/>
-              <a:t>4/1/2025</a:t>
+              <a:t>4/2/2025</a:t>
             </a:fld>
             <a:endParaRPr lang="en-US"/>
           </a:p>
@@ -1964,7 +1964,7 @@
           <a:p>
             <a:fld id="{43859641-87B3-4D4C-932C-222F1A0ADC66}" type="datetimeFigureOut">
               <a:rPr lang="en-US" smtClean="0"/>
-              <a:t>4/1/2025</a:t>
+              <a:t>4/2/2025</a:t>
             </a:fld>
             <a:endParaRPr lang="en-US"/>
           </a:p>
@@ -2077,7 +2077,7 @@
           <a:p>
             <a:fld id="{43859641-87B3-4D4C-932C-222F1A0ADC66}" type="datetimeFigureOut">
               <a:rPr lang="en-US" smtClean="0"/>
-              <a:t>4/1/2025</a:t>
+              <a:t>4/2/2025</a:t>
             </a:fld>
             <a:endParaRPr lang="en-US"/>
           </a:p>
@@ -2388,7 +2388,7 @@
           <a:p>
             <a:fld id="{43859641-87B3-4D4C-932C-222F1A0ADC66}" type="datetimeFigureOut">
               <a:rPr lang="en-US" smtClean="0"/>
-              <a:t>4/1/2025</a:t>
+              <a:t>4/2/2025</a:t>
             </a:fld>
             <a:endParaRPr lang="en-US"/>
           </a:p>
@@ -2676,7 +2676,7 @@
           <a:p>
             <a:fld id="{43859641-87B3-4D4C-932C-222F1A0ADC66}" type="datetimeFigureOut">
               <a:rPr lang="en-US" smtClean="0"/>
-              <a:t>4/1/2025</a:t>
+              <a:t>4/2/2025</a:t>
             </a:fld>
             <a:endParaRPr lang="en-US"/>
           </a:p>
@@ -2917,7 +2917,7 @@
           <a:p>
             <a:fld id="{43859641-87B3-4D4C-932C-222F1A0ADC66}" type="datetimeFigureOut">
               <a:rPr lang="en-US" smtClean="0"/>
-              <a:t>4/1/2025</a:t>
+              <a:t>4/2/2025</a:t>
             </a:fld>
             <a:endParaRPr lang="en-US"/>
           </a:p>
@@ -3825,7 +3825,7 @@
           <a:p>
             <a:r>
               <a:rPr lang="en-US" b="1" dirty="0"/>
-              <a:t>P5.3</a:t>
+              <a:t>P1.5</a:t>
             </a:r>
           </a:p>
         </p:txBody>
@@ -3860,7 +3860,7 @@
           <a:p>
             <a:r>
               <a:rPr lang="en-US" b="1" dirty="0"/>
-              <a:t>P5.1</a:t>
+              <a:t>P1.6</a:t>
             </a:r>
           </a:p>
         </p:txBody>
@@ -3895,7 +3895,7 @@
           <a:p>
             <a:r>
               <a:rPr lang="en-US" b="1" dirty="0"/>
-              <a:t>P5.0</a:t>
+              <a:t>P1.7</a:t>
             </a:r>
           </a:p>
         </p:txBody>
@@ -3930,7 +3930,7 @@
           <a:p>
             <a:r>
               <a:rPr lang="en-US" b="1" dirty="0"/>
-              <a:t>P5.4</a:t>
+              <a:t>P2.0</a:t>
             </a:r>
           </a:p>
         </p:txBody>
@@ -4519,7 +4519,7 @@
           <a:p>
             <a:r>
               <a:rPr lang="en-US" b="1" dirty="0"/>
-              <a:t>P1.1</a:t>
+              <a:t>P2.1</a:t>
             </a:r>
           </a:p>
         </p:txBody>
@@ -4632,7 +4632,7 @@
           <a:p>
             <a:r>
               <a:rPr lang="en-US" b="1" dirty="0"/>
-              <a:t>P3.5</a:t>
+              <a:t>P2.2</a:t>
             </a:r>
           </a:p>
         </p:txBody>
@@ -4745,7 +4745,7 @@
           <a:p>
             <a:r>
               <a:rPr lang="en-US" b="1" dirty="0"/>
-              <a:t>P3.1</a:t>
+              <a:t>P2.3</a:t>
             </a:r>
           </a:p>
         </p:txBody>
